--- a/doc/schemas.pptx
+++ b/doc/schemas.pptx
@@ -4596,9 +4596,9 @@
           <p:nvPr/>
         </p:nvSpPr>
         <p:spPr>
-          <a:xfrm>
-            <a:off x="6859440" y="1924920"/>
-            <a:ext cx="360" cy="647640"/>
+          <a:xfrm flipH="1">
+            <a:off x="6516216" y="4388578"/>
+            <a:ext cx="310104" cy="45719"/>
           </a:xfrm>
           <a:prstGeom prst="straightConnector1">
             <a:avLst/>
@@ -4698,61 +4698,6 @@
       </p:sp>
       <p:sp>
         <p:nvSpPr>
-          <p:cNvPr id="76" name="CustomShape 17"/>
-          <p:cNvSpPr/>
-          <p:nvPr/>
-        </p:nvSpPr>
-        <p:spPr>
-          <a:xfrm>
-            <a:off x="6553080" y="2652840"/>
-            <a:ext cx="705240" cy="431640"/>
-          </a:xfrm>
-          <a:prstGeom prst="rect">
-            <a:avLst/>
-          </a:prstGeom>
-          <a:ln>
-            <a:round/>
-          </a:ln>
-        </p:spPr>
-        <p:style>
-          <a:lnRef idx="2">
-            <a:schemeClr val="accent2">
-              <a:shade val="50000"/>
-            </a:schemeClr>
-          </a:lnRef>
-          <a:fillRef idx="1">
-            <a:schemeClr val="accent2"/>
-          </a:fillRef>
-          <a:effectRef idx="0">
-            <a:schemeClr val="accent2"/>
-          </a:effectRef>
-          <a:fontRef idx="minor"/>
-        </p:style>
-        <p:txBody>
-          <a:bodyPr lIns="90000" tIns="45000" rIns="90000" bIns="45000" anchor="ctr"/>
-          <a:lstStyle/>
-          <a:p>
-            <a:pPr algn="ctr">
-              <a:lnSpc>
-                <a:spcPct val="100000"/>
-              </a:lnSpc>
-            </a:pPr>
-            <a:r>
-              <a:rPr lang="fr-FR" sz="1200" strike="noStrike">
-                <a:solidFill>
-                  <a:srgbClr val="FFFFFF"/>
-                </a:solidFill>
-                <a:latin typeface="Calibri"/>
-              </a:rPr>
-              <a:t>Not
-Found</a:t>
-            </a:r>
-            <a:endParaRPr/>
-          </a:p>
-        </p:txBody>
-      </p:sp>
-      <p:sp>
-        <p:nvSpPr>
           <p:cNvPr id="77" name="CustomShape 18"/>
           <p:cNvSpPr/>
           <p:nvPr/>
@@ -5094,6 +5039,28 @@
             <a:endParaRPr dirty="0"/>
           </a:p>
         </p:txBody>
+      </p:sp>
+      <p:sp>
+        <p:nvSpPr>
+          <p:cNvPr id="24" name="Line 13"/>
+          <p:cNvSpPr/>
+          <p:nvPr/>
+        </p:nvSpPr>
+        <p:spPr>
+          <a:xfrm flipV="1">
+            <a:off x="6859440" y="1924918"/>
+            <a:ext cx="0" cy="2486518"/>
+          </a:xfrm>
+          <a:prstGeom prst="line">
+            <a:avLst/>
+          </a:prstGeom>
+          <a:ln w="76320">
+            <a:solidFill>
+              <a:schemeClr val="tx1"/>
+            </a:solidFill>
+            <a:round/>
+          </a:ln>
+        </p:spPr>
       </p:sp>
     </p:spTree>
     <p:extLst>
